--- a/modules/crayfish-mro/Example-Figures.pptx
+++ b/modules/crayfish-mro/Example-Figures.pptx
@@ -7,6 +7,7 @@
   <p:sldIdLst>
     <p:sldId id="257" r:id="rId2"/>
     <p:sldId id="258" r:id="rId3"/>
+    <p:sldId id="259" r:id="rId4"/>
   </p:sldIdLst>
   <p:sldSz cx="12192000" cy="6858000"/>
   <p:notesSz cx="6858000" cy="9144000"/>
@@ -105,6 +106,11 @@
       </a:defRPr>
     </a:lvl9pPr>
   </p:defaultTextStyle>
+  <p:extLst>
+    <p:ext uri="{EFAFB233-063F-42B5-8137-9DF3F51BA10A}">
+      <p15:sldGuideLst xmlns:p15="http://schemas.microsoft.com/office/powerpoint/2012/main"/>
+    </p:ext>
+  </p:extLst>
 </p:presentation>
 </file>
 
@@ -255,7 +261,7 @@
           <a:p>
             <a:fld id="{15D8706A-7CF8-574A-8114-38E7158D0E77}" type="datetimeFigureOut">
               <a:rPr lang="en-US" smtClean="0"/>
-              <a:t>10/30/22</a:t>
+              <a:t>10/31/22</a:t>
             </a:fld>
             <a:endParaRPr lang="en-US"/>
           </a:p>
@@ -453,7 +459,7 @@
           <a:p>
             <a:fld id="{15D8706A-7CF8-574A-8114-38E7158D0E77}" type="datetimeFigureOut">
               <a:rPr lang="en-US" smtClean="0"/>
-              <a:t>10/30/22</a:t>
+              <a:t>10/31/22</a:t>
             </a:fld>
             <a:endParaRPr lang="en-US"/>
           </a:p>
@@ -661,7 +667,7 @@
           <a:p>
             <a:fld id="{15D8706A-7CF8-574A-8114-38E7158D0E77}" type="datetimeFigureOut">
               <a:rPr lang="en-US" smtClean="0"/>
-              <a:t>10/30/22</a:t>
+              <a:t>10/31/22</a:t>
             </a:fld>
             <a:endParaRPr lang="en-US"/>
           </a:p>
@@ -859,7 +865,7 @@
           <a:p>
             <a:fld id="{15D8706A-7CF8-574A-8114-38E7158D0E77}" type="datetimeFigureOut">
               <a:rPr lang="en-US" smtClean="0"/>
-              <a:t>10/30/22</a:t>
+              <a:t>10/31/22</a:t>
             </a:fld>
             <a:endParaRPr lang="en-US"/>
           </a:p>
@@ -1134,7 +1140,7 @@
           <a:p>
             <a:fld id="{15D8706A-7CF8-574A-8114-38E7158D0E77}" type="datetimeFigureOut">
               <a:rPr lang="en-US" smtClean="0"/>
-              <a:t>10/30/22</a:t>
+              <a:t>10/31/22</a:t>
             </a:fld>
             <a:endParaRPr lang="en-US"/>
           </a:p>
@@ -1399,7 +1405,7 @@
           <a:p>
             <a:fld id="{15D8706A-7CF8-574A-8114-38E7158D0E77}" type="datetimeFigureOut">
               <a:rPr lang="en-US" smtClean="0"/>
-              <a:t>10/30/22</a:t>
+              <a:t>10/31/22</a:t>
             </a:fld>
             <a:endParaRPr lang="en-US"/>
           </a:p>
@@ -1811,7 +1817,7 @@
           <a:p>
             <a:fld id="{15D8706A-7CF8-574A-8114-38E7158D0E77}" type="datetimeFigureOut">
               <a:rPr lang="en-US" smtClean="0"/>
-              <a:t>10/30/22</a:t>
+              <a:t>10/31/22</a:t>
             </a:fld>
             <a:endParaRPr lang="en-US"/>
           </a:p>
@@ -1952,7 +1958,7 @@
           <a:p>
             <a:fld id="{15D8706A-7CF8-574A-8114-38E7158D0E77}" type="datetimeFigureOut">
               <a:rPr lang="en-US" smtClean="0"/>
-              <a:t>10/30/22</a:t>
+              <a:t>10/31/22</a:t>
             </a:fld>
             <a:endParaRPr lang="en-US"/>
           </a:p>
@@ -2065,7 +2071,7 @@
           <a:p>
             <a:fld id="{15D8706A-7CF8-574A-8114-38E7158D0E77}" type="datetimeFigureOut">
               <a:rPr lang="en-US" smtClean="0"/>
-              <a:t>10/30/22</a:t>
+              <a:t>10/31/22</a:t>
             </a:fld>
             <a:endParaRPr lang="en-US"/>
           </a:p>
@@ -2376,7 +2382,7 @@
           <a:p>
             <a:fld id="{15D8706A-7CF8-574A-8114-38E7158D0E77}" type="datetimeFigureOut">
               <a:rPr lang="en-US" smtClean="0"/>
-              <a:t>10/30/22</a:t>
+              <a:t>10/31/22</a:t>
             </a:fld>
             <a:endParaRPr lang="en-US"/>
           </a:p>
@@ -2664,7 +2670,7 @@
           <a:p>
             <a:fld id="{15D8706A-7CF8-574A-8114-38E7158D0E77}" type="datetimeFigureOut">
               <a:rPr lang="en-US" smtClean="0"/>
-              <a:t>10/30/22</a:t>
+              <a:t>10/31/22</a:t>
             </a:fld>
             <a:endParaRPr lang="en-US"/>
           </a:p>
@@ -2905,7 +2911,7 @@
           <a:p>
             <a:fld id="{15D8706A-7CF8-574A-8114-38E7158D0E77}" type="datetimeFigureOut">
               <a:rPr lang="en-US" smtClean="0"/>
-              <a:t>10/30/22</a:t>
+              <a:t>10/31/22</a:t>
             </a:fld>
             <a:endParaRPr lang="en-US"/>
           </a:p>
@@ -4175,6 +4181,332 @@
 </p:sld>
 </file>
 
+<file path=ppt/slides/slide3.xml><?xml version="1.0" encoding="utf-8"?>
+<p:sld xmlns:a="http://schemas.openxmlformats.org/drawingml/2006/main" xmlns:r="http://schemas.openxmlformats.org/officeDocument/2006/relationships" xmlns:p="http://schemas.openxmlformats.org/presentationml/2006/main">
+  <p:cSld>
+    <p:spTree>
+      <p:nvGrpSpPr>
+        <p:cNvPr id="1" name=""/>
+        <p:cNvGrpSpPr/>
+        <p:nvPr/>
+      </p:nvGrpSpPr>
+      <p:grpSpPr>
+        <a:xfrm>
+          <a:off x="0" y="0"/>
+          <a:ext cx="0" cy="0"/>
+          <a:chOff x="0" y="0"/>
+          <a:chExt cx="0" cy="0"/>
+        </a:xfrm>
+      </p:grpSpPr>
+      <p:pic>
+        <p:nvPicPr>
+          <p:cNvPr id="10" name="Picture 9">
+            <a:extLst>
+              <a:ext uri="{FF2B5EF4-FFF2-40B4-BE49-F238E27FC236}">
+                <a16:creationId xmlns:a16="http://schemas.microsoft.com/office/drawing/2014/main" id="{578D33B6-9A7F-29B9-7569-AE8583EF403B}"/>
+              </a:ext>
+            </a:extLst>
+          </p:cNvPr>
+          <p:cNvPicPr>
+            <a:picLocks noChangeAspect="1"/>
+          </p:cNvPicPr>
+          <p:nvPr/>
+        </p:nvPicPr>
+        <p:blipFill rotWithShape="1">
+          <a:blip r:embed="rId2"/>
+          <a:srcRect l="6288"/>
+          <a:stretch/>
+        </p:blipFill>
+        <p:spPr>
+          <a:xfrm>
+            <a:off x="7522234" y="1595733"/>
+            <a:ext cx="3545815" cy="3959526"/>
+          </a:xfrm>
+          <a:prstGeom prst="rect">
+            <a:avLst/>
+          </a:prstGeom>
+        </p:spPr>
+      </p:pic>
+      <p:pic>
+        <p:nvPicPr>
+          <p:cNvPr id="2" name="Picture 1">
+            <a:extLst>
+              <a:ext uri="{FF2B5EF4-FFF2-40B4-BE49-F238E27FC236}">
+                <a16:creationId xmlns:a16="http://schemas.microsoft.com/office/drawing/2014/main" id="{2A9094D0-78A9-E423-1915-3D940E8608C7}"/>
+              </a:ext>
+            </a:extLst>
+          </p:cNvPr>
+          <p:cNvPicPr>
+            <a:picLocks noChangeAspect="1"/>
+          </p:cNvPicPr>
+          <p:nvPr/>
+        </p:nvPicPr>
+        <p:blipFill rotWithShape="1">
+          <a:blip r:embed="rId3"/>
+          <a:srcRect l="7591"/>
+          <a:stretch/>
+        </p:blipFill>
+        <p:spPr>
+          <a:xfrm>
+            <a:off x="3071004" y="1388851"/>
+            <a:ext cx="3329796" cy="4213604"/>
+          </a:xfrm>
+          <a:prstGeom prst="rect">
+            <a:avLst/>
+          </a:prstGeom>
+        </p:spPr>
+      </p:pic>
+      <p:sp>
+        <p:nvSpPr>
+          <p:cNvPr id="3" name="TextBox 2">
+            <a:extLst>
+              <a:ext uri="{FF2B5EF4-FFF2-40B4-BE49-F238E27FC236}">
+                <a16:creationId xmlns:a16="http://schemas.microsoft.com/office/drawing/2014/main" id="{46E8DDE6-E1EE-EC91-00FD-F3DAFD17AB16}"/>
+              </a:ext>
+            </a:extLst>
+          </p:cNvPr>
+          <p:cNvSpPr txBox="1"/>
+          <p:nvPr/>
+        </p:nvSpPr>
+        <p:spPr>
+          <a:xfrm rot="16200000">
+            <a:off x="2024009" y="2793955"/>
+            <a:ext cx="1724657" cy="369332"/>
+          </a:xfrm>
+          <a:prstGeom prst="rect">
+            <a:avLst/>
+          </a:prstGeom>
+          <a:noFill/>
+        </p:spPr>
+        <p:txBody>
+          <a:bodyPr wrap="square" rtlCol="0">
+            <a:spAutoFit/>
+          </a:bodyPr>
+          <a:lstStyle/>
+          <a:p>
+            <a:r>
+              <a:rPr lang="en-US" dirty="0"/>
+              <a:t>spike rate (Hz)</a:t>
+            </a:r>
+          </a:p>
+        </p:txBody>
+      </p:sp>
+      <p:sp>
+        <p:nvSpPr>
+          <p:cNvPr id="4" name="TextBox 3">
+            <a:extLst>
+              <a:ext uri="{FF2B5EF4-FFF2-40B4-BE49-F238E27FC236}">
+                <a16:creationId xmlns:a16="http://schemas.microsoft.com/office/drawing/2014/main" id="{FF297922-39BC-58E0-3DE9-4E7E3840B398}"/>
+              </a:ext>
+            </a:extLst>
+          </p:cNvPr>
+          <p:cNvSpPr txBox="1"/>
+          <p:nvPr/>
+        </p:nvSpPr>
+        <p:spPr>
+          <a:xfrm>
+            <a:off x="3600131" y="1255545"/>
+            <a:ext cx="1582220" cy="646331"/>
+          </a:xfrm>
+          <a:prstGeom prst="rect">
+            <a:avLst/>
+          </a:prstGeom>
+          <a:noFill/>
+        </p:spPr>
+        <p:txBody>
+          <a:bodyPr wrap="square" rtlCol="0">
+            <a:spAutoFit/>
+          </a:bodyPr>
+          <a:lstStyle/>
+          <a:p>
+            <a:r>
+              <a:rPr lang="en-US" dirty="0">
+                <a:solidFill>
+                  <a:schemeClr val="accent1"/>
+                </a:solidFill>
+              </a:rPr>
+              <a:t>steady state</a:t>
+            </a:r>
+          </a:p>
+          <a:p>
+            <a:r>
+              <a:rPr lang="en-US" dirty="0">
+                <a:solidFill>
+                  <a:schemeClr val="accent2"/>
+                </a:solidFill>
+              </a:rPr>
+              <a:t>peak</a:t>
+            </a:r>
+          </a:p>
+        </p:txBody>
+      </p:sp>
+      <p:sp>
+        <p:nvSpPr>
+          <p:cNvPr id="7" name="TextBox 6">
+            <a:extLst>
+              <a:ext uri="{FF2B5EF4-FFF2-40B4-BE49-F238E27FC236}">
+                <a16:creationId xmlns:a16="http://schemas.microsoft.com/office/drawing/2014/main" id="{C6088046-9F6A-E665-9907-142A9A376C7F}"/>
+              </a:ext>
+            </a:extLst>
+          </p:cNvPr>
+          <p:cNvSpPr txBox="1"/>
+          <p:nvPr/>
+        </p:nvSpPr>
+        <p:spPr>
+          <a:xfrm rot="16200000">
+            <a:off x="6508710" y="2531298"/>
+            <a:ext cx="1719064" cy="369332"/>
+          </a:xfrm>
+          <a:prstGeom prst="rect">
+            <a:avLst/>
+          </a:prstGeom>
+          <a:noFill/>
+        </p:spPr>
+        <p:txBody>
+          <a:bodyPr wrap="square" rtlCol="0">
+            <a:spAutoFit/>
+          </a:bodyPr>
+          <a:lstStyle/>
+          <a:p>
+            <a:r>
+              <a:rPr lang="en-US" dirty="0"/>
+              <a:t>seconds</a:t>
+            </a:r>
+          </a:p>
+        </p:txBody>
+      </p:sp>
+      <p:sp>
+        <p:nvSpPr>
+          <p:cNvPr id="8" name="TextBox 7">
+            <a:extLst>
+              <a:ext uri="{FF2B5EF4-FFF2-40B4-BE49-F238E27FC236}">
+                <a16:creationId xmlns:a16="http://schemas.microsoft.com/office/drawing/2014/main" id="{8720FB10-DE9F-9CCB-BD75-86C445CE8C5A}"/>
+              </a:ext>
+            </a:extLst>
+          </p:cNvPr>
+          <p:cNvSpPr txBox="1"/>
+          <p:nvPr/>
+        </p:nvSpPr>
+        <p:spPr>
+          <a:xfrm>
+            <a:off x="10301423" y="1272567"/>
+            <a:ext cx="645497" cy="646331"/>
+          </a:xfrm>
+          <a:prstGeom prst="rect">
+            <a:avLst/>
+          </a:prstGeom>
+          <a:noFill/>
+        </p:spPr>
+        <p:txBody>
+          <a:bodyPr wrap="square" rtlCol="0">
+            <a:spAutoFit/>
+          </a:bodyPr>
+          <a:lstStyle/>
+          <a:p>
+            <a:r>
+              <a:rPr lang="en-US" dirty="0">
+                <a:solidFill>
+                  <a:schemeClr val="accent1"/>
+                </a:solidFill>
+              </a:rPr>
+              <a:t>tau1</a:t>
+            </a:r>
+          </a:p>
+          <a:p>
+            <a:r>
+              <a:rPr lang="en-US" dirty="0">
+                <a:solidFill>
+                  <a:schemeClr val="accent2"/>
+                </a:solidFill>
+              </a:rPr>
+              <a:t>tau2</a:t>
+            </a:r>
+          </a:p>
+        </p:txBody>
+      </p:sp>
+      <p:sp>
+        <p:nvSpPr>
+          <p:cNvPr id="11" name="TextBox 10">
+            <a:extLst>
+              <a:ext uri="{FF2B5EF4-FFF2-40B4-BE49-F238E27FC236}">
+                <a16:creationId xmlns:a16="http://schemas.microsoft.com/office/drawing/2014/main" id="{161A2E01-C281-BEA2-7F84-0FCE3ED9BB59}"/>
+              </a:ext>
+            </a:extLst>
+          </p:cNvPr>
+          <p:cNvSpPr txBox="1"/>
+          <p:nvPr/>
+        </p:nvSpPr>
+        <p:spPr>
+          <a:xfrm>
+            <a:off x="2630697" y="1091366"/>
+            <a:ext cx="638355" cy="461665"/>
+          </a:xfrm>
+          <a:prstGeom prst="rect">
+            <a:avLst/>
+          </a:prstGeom>
+          <a:noFill/>
+        </p:spPr>
+        <p:txBody>
+          <a:bodyPr wrap="square" rtlCol="0">
+            <a:spAutoFit/>
+          </a:bodyPr>
+          <a:lstStyle/>
+          <a:p>
+            <a:r>
+              <a:rPr lang="en-US" sz="2400" b="1" dirty="0"/>
+              <a:t>A</a:t>
+            </a:r>
+          </a:p>
+        </p:txBody>
+      </p:sp>
+      <p:sp>
+        <p:nvSpPr>
+          <p:cNvPr id="12" name="TextBox 11">
+            <a:extLst>
+              <a:ext uri="{FF2B5EF4-FFF2-40B4-BE49-F238E27FC236}">
+                <a16:creationId xmlns:a16="http://schemas.microsoft.com/office/drawing/2014/main" id="{ED7DF5CD-3C31-4BF0-B989-F2986A281CF1}"/>
+              </a:ext>
+            </a:extLst>
+          </p:cNvPr>
+          <p:cNvSpPr txBox="1"/>
+          <p:nvPr/>
+        </p:nvSpPr>
+        <p:spPr>
+          <a:xfrm>
+            <a:off x="7103531" y="1091366"/>
+            <a:ext cx="638355" cy="461665"/>
+          </a:xfrm>
+          <a:prstGeom prst="rect">
+            <a:avLst/>
+          </a:prstGeom>
+          <a:noFill/>
+        </p:spPr>
+        <p:txBody>
+          <a:bodyPr wrap="square" rtlCol="0">
+            <a:spAutoFit/>
+          </a:bodyPr>
+          <a:lstStyle/>
+          <a:p>
+            <a:r>
+              <a:rPr lang="en-US" sz="2400" b="1" dirty="0"/>
+              <a:t>B</a:t>
+            </a:r>
+          </a:p>
+        </p:txBody>
+      </p:sp>
+    </p:spTree>
+    <p:extLst>
+      <p:ext uri="{BB962C8B-B14F-4D97-AF65-F5344CB8AC3E}">
+        <p14:creationId xmlns:p14="http://schemas.microsoft.com/office/powerpoint/2010/main" val="1943583685"/>
+      </p:ext>
+    </p:extLst>
+  </p:cSld>
+  <p:clrMapOvr>
+    <a:masterClrMapping/>
+  </p:clrMapOvr>
+</p:sld>
+</file>
+
 <file path=ppt/theme/theme1.xml><?xml version="1.0" encoding="utf-8"?>
 <a:theme xmlns:a="http://schemas.openxmlformats.org/drawingml/2006/main" name="Office Theme">
   <a:themeElements>
